--- a/EndofsprintPresentation.pptx
+++ b/EndofsprintPresentation.pptx
@@ -318,7 +318,7 @@
           <a:p>
             <a:fld id="{4AAD347D-5ACD-4C99-B74B-A9C85AD731AF}" type="datetimeFigureOut">
               <a:rPr lang="en-US" dirty="0"/>
-              <a:t>4/6/2022</a:t>
+              <a:t>4/7/2022</a:t>
             </a:fld>
             <a:endParaRPr lang="en-US" dirty="0"/>
           </a:p>
@@ -588,7 +588,7 @@
           <a:p>
             <a:fld id="{4509A250-FF31-4206-8172-F9D3106AACB1}" type="datetimeFigureOut">
               <a:rPr lang="en-US" dirty="0"/>
-              <a:t>4/6/2022</a:t>
+              <a:t>4/7/2022</a:t>
             </a:fld>
             <a:endParaRPr lang="en-US" dirty="0"/>
           </a:p>
@@ -777,7 +777,7 @@
           <a:p>
             <a:fld id="{4509A250-FF31-4206-8172-F9D3106AACB1}" type="datetimeFigureOut">
               <a:rPr lang="en-US" dirty="0"/>
-              <a:t>4/6/2022</a:t>
+              <a:t>4/7/2022</a:t>
             </a:fld>
             <a:endParaRPr lang="en-US" dirty="0"/>
           </a:p>
@@ -1045,7 +1045,7 @@
           <a:p>
             <a:fld id="{4509A250-FF31-4206-8172-F9D3106AACB1}" type="datetimeFigureOut">
               <a:rPr lang="en-US" dirty="0"/>
-              <a:t>4/6/2022</a:t>
+              <a:t>4/7/2022</a:t>
             </a:fld>
             <a:endParaRPr lang="en-US" dirty="0"/>
           </a:p>
@@ -1381,7 +1381,7 @@
           <a:p>
             <a:fld id="{4509A250-FF31-4206-8172-F9D3106AACB1}" type="datetimeFigureOut">
               <a:rPr lang="en-US" dirty="0"/>
-              <a:t>4/6/2022</a:t>
+              <a:t>4/7/2022</a:t>
             </a:fld>
             <a:endParaRPr lang="en-US" dirty="0"/>
           </a:p>
@@ -1999,7 +1999,7 @@
           <a:p>
             <a:fld id="{4509A250-FF31-4206-8172-F9D3106AACB1}" type="datetimeFigureOut">
               <a:rPr lang="en-US" dirty="0"/>
-              <a:t>4/6/2022</a:t>
+              <a:t>4/7/2022</a:t>
             </a:fld>
             <a:endParaRPr lang="en-US" dirty="0"/>
           </a:p>
@@ -2854,7 +2854,7 @@
           <a:p>
             <a:fld id="{4509A250-FF31-4206-8172-F9D3106AACB1}" type="datetimeFigureOut">
               <a:rPr lang="en-US" dirty="0"/>
-              <a:t>4/6/2022</a:t>
+              <a:t>4/7/2022</a:t>
             </a:fld>
             <a:endParaRPr lang="en-US" dirty="0"/>
           </a:p>
@@ -3019,7 +3019,7 @@
           <a:p>
             <a:fld id="{4509A250-FF31-4206-8172-F9D3106AACB1}" type="datetimeFigureOut">
               <a:rPr lang="en-US" dirty="0"/>
-              <a:t>4/6/2022</a:t>
+              <a:t>4/7/2022</a:t>
             </a:fld>
             <a:endParaRPr lang="en-US" dirty="0"/>
           </a:p>
@@ -3194,7 +3194,7 @@
           <a:p>
             <a:fld id="{4509A250-FF31-4206-8172-F9D3106AACB1}" type="datetimeFigureOut">
               <a:rPr lang="en-US" dirty="0"/>
-              <a:t>4/6/2022</a:t>
+              <a:t>4/7/2022</a:t>
             </a:fld>
             <a:endParaRPr lang="en-US" dirty="0"/>
           </a:p>
@@ -3359,7 +3359,7 @@
           <a:p>
             <a:fld id="{4509A250-FF31-4206-8172-F9D3106AACB1}" type="datetimeFigureOut">
               <a:rPr lang="en-US" dirty="0"/>
-              <a:t>4/6/2022</a:t>
+              <a:t>4/7/2022</a:t>
             </a:fld>
             <a:endParaRPr lang="en-US" dirty="0"/>
           </a:p>
@@ -3601,7 +3601,7 @@
           <a:p>
             <a:fld id="{9796027F-7875-4030-9381-8BD8C4F21935}" type="datetimeFigureOut">
               <a:rPr lang="en-US" dirty="0"/>
-              <a:t>4/6/2022</a:t>
+              <a:t>4/7/2022</a:t>
             </a:fld>
             <a:endParaRPr lang="en-US" dirty="0"/>
           </a:p>
@@ -3888,7 +3888,7 @@
           <a:p>
             <a:fld id="{9796027F-7875-4030-9381-8BD8C4F21935}" type="datetimeFigureOut">
               <a:rPr lang="en-US" dirty="0"/>
-              <a:t>4/6/2022</a:t>
+              <a:t>4/7/2022</a:t>
             </a:fld>
             <a:endParaRPr lang="en-US" dirty="0"/>
           </a:p>
@@ -4327,7 +4327,7 @@
           <a:p>
             <a:fld id="{9796027F-7875-4030-9381-8BD8C4F21935}" type="datetimeFigureOut">
               <a:rPr lang="en-US" dirty="0"/>
-              <a:t>4/6/2022</a:t>
+              <a:t>4/7/2022</a:t>
             </a:fld>
             <a:endParaRPr lang="en-US" dirty="0"/>
           </a:p>
@@ -4440,7 +4440,7 @@
           <a:p>
             <a:fld id="{4509A250-FF31-4206-8172-F9D3106AACB1}" type="datetimeFigureOut">
               <a:rPr lang="en-US" dirty="0"/>
-              <a:t>4/6/2022</a:t>
+              <a:t>4/7/2022</a:t>
             </a:fld>
             <a:endParaRPr lang="en-US" dirty="0"/>
           </a:p>
@@ -4530,7 +4530,7 @@
           <a:p>
             <a:fld id="{4509A250-FF31-4206-8172-F9D3106AACB1}" type="datetimeFigureOut">
               <a:rPr lang="en-US" dirty="0"/>
-              <a:t>4/6/2022</a:t>
+              <a:t>4/7/2022</a:t>
             </a:fld>
             <a:endParaRPr lang="en-US" dirty="0"/>
           </a:p>
@@ -4804,7 +4804,7 @@
           <a:p>
             <a:fld id="{4509A250-FF31-4206-8172-F9D3106AACB1}" type="datetimeFigureOut">
               <a:rPr lang="en-US" dirty="0"/>
-              <a:t>4/6/2022</a:t>
+              <a:t>4/7/2022</a:t>
             </a:fld>
             <a:endParaRPr lang="en-US" dirty="0"/>
           </a:p>
@@ -5074,7 +5074,7 @@
           <a:p>
             <a:fld id="{4509A250-FF31-4206-8172-F9D3106AACB1}" type="datetimeFigureOut">
               <a:rPr lang="en-US" dirty="0"/>
-              <a:t>4/6/2022</a:t>
+              <a:t>4/7/2022</a:t>
             </a:fld>
             <a:endParaRPr lang="en-US" dirty="0"/>
           </a:p>
@@ -5498,7 +5498,7 @@
           <a:p>
             <a:fld id="{4AAD347D-5ACD-4C99-B74B-A9C85AD731AF}" type="datetimeFigureOut">
               <a:rPr lang="en-US" dirty="0"/>
-              <a:t>4/6/2022</a:t>
+              <a:t>4/7/2022</a:t>
             </a:fld>
             <a:endParaRPr lang="en-US" dirty="0"/>
           </a:p>
@@ -9549,7 +9549,7 @@
             </a:pPr>
             <a:r>
               <a:rPr lang="en-US" dirty="0"/>
-              <a:t>Freeze taw</a:t>
+              <a:t>Freeze thaw</a:t>
             </a:r>
           </a:p>
           <a:p>
@@ -9559,10 +9559,9 @@
               </a:buClr>
             </a:pPr>
             <a:r>
-              <a:rPr lang="en-US" dirty="0" err="1"/>
-              <a:t>Colouring</a:t>
-            </a:r>
-            <a:endParaRPr lang="en-US" dirty="0"/>
+              <a:rPr lang="en-US" dirty="0"/>
+              <a:t>Coloring</a:t>
+            </a:r>
           </a:p>
           <a:p>
             <a:pPr lvl="1">
@@ -10148,12 +10147,12 @@
           <a:lstStyle/>
           <a:p>
             <a:r>
-              <a:rPr lang="en-US">
+              <a:rPr lang="en-US" dirty="0">
                 <a:solidFill>
                   <a:srgbClr val="EBEBEB"/>
                 </a:solidFill>
               </a:rPr>
-              <a:t>Freeze taw method</a:t>
+              <a:t>Freeze thaw method</a:t>
             </a:r>
           </a:p>
         </p:txBody>
@@ -10662,7 +10661,7 @@
             </a:pPr>
             <a:r>
               <a:rPr lang="en-US" dirty="0"/>
-              <a:t>Shows a disappearing cluster in samples following freeze taw</a:t>
+              <a:t>Shows a disappearing cluster in samples following freeze thaw</a:t>
             </a:r>
           </a:p>
         </p:txBody>
@@ -10689,8 +10688,8 @@
         </p:blipFill>
         <p:spPr>
           <a:xfrm>
-            <a:off x="7716223" y="2548281"/>
-            <a:ext cx="3662018" cy="3662018"/>
+            <a:off x="6921305" y="2278868"/>
+            <a:ext cx="4316259" cy="4316259"/>
           </a:xfrm>
           <a:prstGeom prst="rect">
             <a:avLst/>
@@ -10750,12 +10749,8 @@
           <a:lstStyle/>
           <a:p>
             <a:r>
-              <a:rPr lang="en-US" dirty="0" err="1"/>
-              <a:t>Colouring</a:t>
-            </a:r>
-            <a:r>
               <a:rPr lang="en-US" dirty="0"/>
-              <a:t> of the data</a:t>
+              <a:t>Coloring of the data</a:t>
             </a:r>
           </a:p>
         </p:txBody>

--- a/EndofsprintPresentation.pptx
+++ b/EndofsprintPresentation.pptx
@@ -360,7 +360,7 @@
           <a:p>
             <a:fld id="{D57F1E4F-1CFF-5643-939E-02111984F565}" type="slidenum">
               <a:rPr lang="en-US" dirty="0"/>
-              <a:t>‹#›</a:t>
+              <a:t>‹nr.›</a:t>
             </a:fld>
             <a:endParaRPr lang="en-US" dirty="0"/>
           </a:p>
@@ -630,7 +630,7 @@
           <a:p>
             <a:fld id="{D57F1E4F-1CFF-5643-939E-02111984F565}" type="slidenum">
               <a:rPr lang="en-US" dirty="0"/>
-              <a:t>‹#›</a:t>
+              <a:t>‹nr.›</a:t>
             </a:fld>
             <a:endParaRPr lang="en-US" dirty="0"/>
           </a:p>
@@ -819,7 +819,7 @@
           <a:p>
             <a:fld id="{D57F1E4F-1CFF-5643-939E-02111984F565}" type="slidenum">
               <a:rPr lang="en-US" dirty="0"/>
-              <a:t>‹#›</a:t>
+              <a:t>‹nr.›</a:t>
             </a:fld>
             <a:endParaRPr lang="en-US" dirty="0"/>
           </a:p>
@@ -1087,7 +1087,7 @@
           <a:p>
             <a:fld id="{D57F1E4F-1CFF-5643-939E-02111984F565}" type="slidenum">
               <a:rPr lang="en-US" dirty="0"/>
-              <a:t>‹#›</a:t>
+              <a:t>‹nr.›</a:t>
             </a:fld>
             <a:endParaRPr lang="en-US" dirty="0"/>
           </a:p>
@@ -1423,7 +1423,7 @@
           <a:p>
             <a:fld id="{D57F1E4F-1CFF-5643-939E-02111984F565}" type="slidenum">
               <a:rPr lang="en-US" dirty="0"/>
-              <a:t>‹#›</a:t>
+              <a:t>‹nr.›</a:t>
             </a:fld>
             <a:endParaRPr lang="en-US" dirty="0"/>
           </a:p>
@@ -2041,7 +2041,7 @@
           <a:p>
             <a:fld id="{D57F1E4F-1CFF-5643-939E-02111984F565}" type="slidenum">
               <a:rPr lang="en-US" dirty="0"/>
-              <a:t>‹#›</a:t>
+              <a:t>‹nr.›</a:t>
             </a:fld>
             <a:endParaRPr lang="en-US" dirty="0"/>
           </a:p>
@@ -2896,7 +2896,7 @@
           <a:p>
             <a:fld id="{D57F1E4F-1CFF-5643-939E-02111984F565}" type="slidenum">
               <a:rPr lang="en-US" dirty="0"/>
-              <a:t>‹#›</a:t>
+              <a:t>‹nr.›</a:t>
             </a:fld>
             <a:endParaRPr lang="en-US" dirty="0"/>
           </a:p>
@@ -3061,7 +3061,7 @@
           <a:p>
             <a:fld id="{D57F1E4F-1CFF-5643-939E-02111984F565}" type="slidenum">
               <a:rPr lang="en-US" dirty="0"/>
-              <a:t>‹#›</a:t>
+              <a:t>‹nr.›</a:t>
             </a:fld>
             <a:endParaRPr lang="en-US" dirty="0"/>
           </a:p>
@@ -3236,7 +3236,7 @@
           <a:p>
             <a:fld id="{D57F1E4F-1CFF-5643-939E-02111984F565}" type="slidenum">
               <a:rPr lang="en-US" dirty="0"/>
-              <a:t>‹#›</a:t>
+              <a:t>‹nr.›</a:t>
             </a:fld>
             <a:endParaRPr lang="en-US" dirty="0"/>
           </a:p>
@@ -3401,7 +3401,7 @@
           <a:p>
             <a:fld id="{D57F1E4F-1CFF-5643-939E-02111984F565}" type="slidenum">
               <a:rPr lang="en-US" dirty="0"/>
-              <a:t>‹#›</a:t>
+              <a:t>‹nr.›</a:t>
             </a:fld>
             <a:endParaRPr lang="en-US" dirty="0"/>
           </a:p>
@@ -3643,7 +3643,7 @@
           <a:p>
             <a:fld id="{D57F1E4F-1CFF-5643-939E-02111984F565}" type="slidenum">
               <a:rPr lang="en-US" dirty="0"/>
-              <a:t>‹#›</a:t>
+              <a:t>‹nr.›</a:t>
             </a:fld>
             <a:endParaRPr lang="en-US" dirty="0"/>
           </a:p>
@@ -3930,7 +3930,7 @@
           <a:p>
             <a:fld id="{D57F1E4F-1CFF-5643-939E-02111984F565}" type="slidenum">
               <a:rPr lang="en-US" dirty="0"/>
-              <a:t>‹#›</a:t>
+              <a:t>‹nr.›</a:t>
             </a:fld>
             <a:endParaRPr lang="en-US" dirty="0"/>
           </a:p>
@@ -4369,7 +4369,7 @@
           <a:p>
             <a:fld id="{D57F1E4F-1CFF-5643-939E-02111984F565}" type="slidenum">
               <a:rPr lang="en-US" dirty="0"/>
-              <a:t>‹#›</a:t>
+              <a:t>‹nr.›</a:t>
             </a:fld>
             <a:endParaRPr lang="en-US" dirty="0"/>
           </a:p>
@@ -4482,7 +4482,7 @@
           <a:p>
             <a:fld id="{D57F1E4F-1CFF-5643-939E-02111984F565}" type="slidenum">
               <a:rPr lang="en-US" dirty="0"/>
-              <a:t>‹#›</a:t>
+              <a:t>‹nr.›</a:t>
             </a:fld>
             <a:endParaRPr lang="en-US" dirty="0"/>
           </a:p>
@@ -4572,7 +4572,7 @@
           <a:p>
             <a:fld id="{D57F1E4F-1CFF-5643-939E-02111984F565}" type="slidenum">
               <a:rPr lang="en-US" dirty="0"/>
-              <a:t>‹#›</a:t>
+              <a:t>‹nr.›</a:t>
             </a:fld>
             <a:endParaRPr lang="en-US" dirty="0"/>
           </a:p>
@@ -4846,7 +4846,7 @@
           <a:p>
             <a:fld id="{D57F1E4F-1CFF-5643-939E-02111984F565}" type="slidenum">
               <a:rPr lang="en-US" dirty="0"/>
-              <a:t>‹#›</a:t>
+              <a:t>‹nr.›</a:t>
             </a:fld>
             <a:endParaRPr lang="en-US" dirty="0"/>
           </a:p>
@@ -5116,7 +5116,7 @@
           <a:p>
             <a:fld id="{D57F1E4F-1CFF-5643-939E-02111984F565}" type="slidenum">
               <a:rPr lang="en-US" dirty="0"/>
-              <a:t>‹#›</a:t>
+              <a:t>‹nr.›</a:t>
             </a:fld>
             <a:endParaRPr lang="en-US" dirty="0"/>
           </a:p>
@@ -5577,7 +5577,7 @@
           <a:p>
             <a:fld id="{D57F1E4F-1CFF-5643-939E-02111984F565}" type="slidenum">
               <a:rPr lang="en-US" dirty="0"/>
-              <a:t>‹#›</a:t>
+              <a:t>‹nr.›</a:t>
             </a:fld>
             <a:endParaRPr lang="en-US" dirty="0"/>
           </a:p>
@@ -10870,7 +10870,12 @@
             <p:ph idx="1"/>
           </p:nvPr>
         </p:nvSpPr>
-        <p:spPr/>
+        <p:spPr>
+          <a:xfrm>
+            <a:off x="1104293" y="1331259"/>
+            <a:ext cx="8946541" cy="4195481"/>
+          </a:xfrm>
+        </p:spPr>
         <p:txBody>
           <a:bodyPr vert="horz" lIns="91440" tIns="45720" rIns="91440" bIns="45720" rtlCol="0" anchor="t">
             <a:normAutofit/>
@@ -10906,8 +10911,8 @@
         </p:blipFill>
         <p:spPr>
           <a:xfrm>
-            <a:off x="1104900" y="3630277"/>
-            <a:ext cx="4394200" cy="2708946"/>
+            <a:off x="646111" y="3204519"/>
+            <a:ext cx="4852989" cy="3134704"/>
           </a:xfrm>
           <a:prstGeom prst="rect">
             <a:avLst/>
@@ -10936,8 +10941,8 @@
         </p:blipFill>
         <p:spPr>
           <a:xfrm>
-            <a:off x="6269567" y="3630277"/>
-            <a:ext cx="4394200" cy="2708946"/>
+            <a:off x="6269567" y="3204519"/>
+            <a:ext cx="4818140" cy="3134704"/>
           </a:xfrm>
           <a:prstGeom prst="rect">
             <a:avLst/>
@@ -11018,7 +11023,12 @@
             <p:ph idx="1"/>
           </p:nvPr>
         </p:nvSpPr>
-        <p:spPr/>
+        <p:spPr>
+          <a:xfrm>
+            <a:off x="1104900" y="1459793"/>
+            <a:ext cx="8946541" cy="4195481"/>
+          </a:xfrm>
+        </p:spPr>
         <p:txBody>
           <a:bodyPr vert="horz" lIns="91440" tIns="45720" rIns="91440" bIns="45720" rtlCol="0" anchor="t">
             <a:normAutofit/>
@@ -11084,8 +11094,8 @@
         </p:blipFill>
         <p:spPr>
           <a:xfrm>
-            <a:off x="1104900" y="3630277"/>
-            <a:ext cx="4351866" cy="2708946"/>
+            <a:off x="1104899" y="2143742"/>
+            <a:ext cx="8607511" cy="4195481"/>
           </a:xfrm>
           <a:prstGeom prst="rect">
             <a:avLst/>

--- a/EndofsprintPresentation.pptx
+++ b/EndofsprintPresentation.pptx
@@ -9570,6 +9570,18 @@
               </a:buClr>
             </a:pPr>
             <a:r>
+              <a:rPr lang="en-US"/>
+              <a:t>PCA</a:t>
+            </a:r>
+            <a:endParaRPr lang="en-US" dirty="0"/>
+          </a:p>
+          <a:p>
+            <a:pPr lvl="1">
+              <a:buClr>
+                <a:srgbClr val="8AD0D6"/>
+              </a:buClr>
+            </a:pPr>
+            <a:r>
               <a:rPr lang="en-US" dirty="0"/>
               <a:t>Difference in samples</a:t>
             </a:r>

--- a/EndofsprintPresentation.pptx
+++ b/EndofsprintPresentation.pptx
@@ -360,7 +360,7 @@
           <a:p>
             <a:fld id="{D57F1E4F-1CFF-5643-939E-02111984F565}" type="slidenum">
               <a:rPr lang="en-US" dirty="0"/>
-              <a:t>‹nr.›</a:t>
+              <a:t>‹#›</a:t>
             </a:fld>
             <a:endParaRPr lang="en-US" dirty="0"/>
           </a:p>
@@ -630,7 +630,7 @@
           <a:p>
             <a:fld id="{D57F1E4F-1CFF-5643-939E-02111984F565}" type="slidenum">
               <a:rPr lang="en-US" dirty="0"/>
-              <a:t>‹nr.›</a:t>
+              <a:t>‹#›</a:t>
             </a:fld>
             <a:endParaRPr lang="en-US" dirty="0"/>
           </a:p>
@@ -819,7 +819,7 @@
           <a:p>
             <a:fld id="{D57F1E4F-1CFF-5643-939E-02111984F565}" type="slidenum">
               <a:rPr lang="en-US" dirty="0"/>
-              <a:t>‹nr.›</a:t>
+              <a:t>‹#›</a:t>
             </a:fld>
             <a:endParaRPr lang="en-US" dirty="0"/>
           </a:p>
@@ -1087,7 +1087,7 @@
           <a:p>
             <a:fld id="{D57F1E4F-1CFF-5643-939E-02111984F565}" type="slidenum">
               <a:rPr lang="en-US" dirty="0"/>
-              <a:t>‹nr.›</a:t>
+              <a:t>‹#›</a:t>
             </a:fld>
             <a:endParaRPr lang="en-US" dirty="0"/>
           </a:p>
@@ -1423,7 +1423,7 @@
           <a:p>
             <a:fld id="{D57F1E4F-1CFF-5643-939E-02111984F565}" type="slidenum">
               <a:rPr lang="en-US" dirty="0"/>
-              <a:t>‹nr.›</a:t>
+              <a:t>‹#›</a:t>
             </a:fld>
             <a:endParaRPr lang="en-US" dirty="0"/>
           </a:p>
@@ -2041,7 +2041,7 @@
           <a:p>
             <a:fld id="{D57F1E4F-1CFF-5643-939E-02111984F565}" type="slidenum">
               <a:rPr lang="en-US" dirty="0"/>
-              <a:t>‹nr.›</a:t>
+              <a:t>‹#›</a:t>
             </a:fld>
             <a:endParaRPr lang="en-US" dirty="0"/>
           </a:p>
@@ -2896,7 +2896,7 @@
           <a:p>
             <a:fld id="{D57F1E4F-1CFF-5643-939E-02111984F565}" type="slidenum">
               <a:rPr lang="en-US" dirty="0"/>
-              <a:t>‹nr.›</a:t>
+              <a:t>‹#›</a:t>
             </a:fld>
             <a:endParaRPr lang="en-US" dirty="0"/>
           </a:p>
@@ -3061,7 +3061,7 @@
           <a:p>
             <a:fld id="{D57F1E4F-1CFF-5643-939E-02111984F565}" type="slidenum">
               <a:rPr lang="en-US" dirty="0"/>
-              <a:t>‹nr.›</a:t>
+              <a:t>‹#›</a:t>
             </a:fld>
             <a:endParaRPr lang="en-US" dirty="0"/>
           </a:p>
@@ -3236,7 +3236,7 @@
           <a:p>
             <a:fld id="{D57F1E4F-1CFF-5643-939E-02111984F565}" type="slidenum">
               <a:rPr lang="en-US" dirty="0"/>
-              <a:t>‹nr.›</a:t>
+              <a:t>‹#›</a:t>
             </a:fld>
             <a:endParaRPr lang="en-US" dirty="0"/>
           </a:p>
@@ -3401,7 +3401,7 @@
           <a:p>
             <a:fld id="{D57F1E4F-1CFF-5643-939E-02111984F565}" type="slidenum">
               <a:rPr lang="en-US" dirty="0"/>
-              <a:t>‹nr.›</a:t>
+              <a:t>‹#›</a:t>
             </a:fld>
             <a:endParaRPr lang="en-US" dirty="0"/>
           </a:p>
@@ -3643,7 +3643,7 @@
           <a:p>
             <a:fld id="{D57F1E4F-1CFF-5643-939E-02111984F565}" type="slidenum">
               <a:rPr lang="en-US" dirty="0"/>
-              <a:t>‹nr.›</a:t>
+              <a:t>‹#›</a:t>
             </a:fld>
             <a:endParaRPr lang="en-US" dirty="0"/>
           </a:p>
@@ -3930,7 +3930,7 @@
           <a:p>
             <a:fld id="{D57F1E4F-1CFF-5643-939E-02111984F565}" type="slidenum">
               <a:rPr lang="en-US" dirty="0"/>
-              <a:t>‹nr.›</a:t>
+              <a:t>‹#›</a:t>
             </a:fld>
             <a:endParaRPr lang="en-US" dirty="0"/>
           </a:p>
@@ -4369,7 +4369,7 @@
           <a:p>
             <a:fld id="{D57F1E4F-1CFF-5643-939E-02111984F565}" type="slidenum">
               <a:rPr lang="en-US" dirty="0"/>
-              <a:t>‹nr.›</a:t>
+              <a:t>‹#›</a:t>
             </a:fld>
             <a:endParaRPr lang="en-US" dirty="0"/>
           </a:p>
@@ -4482,7 +4482,7 @@
           <a:p>
             <a:fld id="{D57F1E4F-1CFF-5643-939E-02111984F565}" type="slidenum">
               <a:rPr lang="en-US" dirty="0"/>
-              <a:t>‹nr.›</a:t>
+              <a:t>‹#›</a:t>
             </a:fld>
             <a:endParaRPr lang="en-US" dirty="0"/>
           </a:p>
@@ -4572,7 +4572,7 @@
           <a:p>
             <a:fld id="{D57F1E4F-1CFF-5643-939E-02111984F565}" type="slidenum">
               <a:rPr lang="en-US" dirty="0"/>
-              <a:t>‹nr.›</a:t>
+              <a:t>‹#›</a:t>
             </a:fld>
             <a:endParaRPr lang="en-US" dirty="0"/>
           </a:p>
@@ -4846,7 +4846,7 @@
           <a:p>
             <a:fld id="{D57F1E4F-1CFF-5643-939E-02111984F565}" type="slidenum">
               <a:rPr lang="en-US" dirty="0"/>
-              <a:t>‹nr.›</a:t>
+              <a:t>‹#›</a:t>
             </a:fld>
             <a:endParaRPr lang="en-US" dirty="0"/>
           </a:p>
@@ -5116,7 +5116,7 @@
           <a:p>
             <a:fld id="{D57F1E4F-1CFF-5643-939E-02111984F565}" type="slidenum">
               <a:rPr lang="en-US" dirty="0"/>
-              <a:t>‹nr.›</a:t>
+              <a:t>‹#›</a:t>
             </a:fld>
             <a:endParaRPr lang="en-US" dirty="0"/>
           </a:p>
@@ -5577,7 +5577,7 @@
           <a:p>
             <a:fld id="{D57F1E4F-1CFF-5643-939E-02111984F565}" type="slidenum">
               <a:rPr lang="en-US" dirty="0"/>
-              <a:t>‹nr.›</a:t>
+              <a:t>‹#›</a:t>
             </a:fld>
             <a:endParaRPr lang="en-US" dirty="0"/>
           </a:p>
@@ -10713,6 +10713,30 @@
 <file path=ppt/slides/slide5.xml><?xml version="1.0" encoding="utf-8"?>
 <p:sld xmlns:a="http://schemas.openxmlformats.org/drawingml/2006/main" xmlns:r="http://schemas.openxmlformats.org/officeDocument/2006/relationships" xmlns:p="http://schemas.openxmlformats.org/presentationml/2006/main">
   <p:cSld>
+    <p:bg>
+      <p:bgPr>
+        <a:blipFill rotWithShape="1">
+          <a:blip r:embed="rId2">
+            <a:duotone>
+              <a:schemeClr val="bg2">
+                <a:shade val="69000"/>
+                <a:hueMod val="108000"/>
+                <a:satMod val="164000"/>
+                <a:lumMod val="74000"/>
+              </a:schemeClr>
+              <a:schemeClr val="bg2">
+                <a:tint val="96000"/>
+                <a:hueMod val="88000"/>
+                <a:satMod val="140000"/>
+                <a:lumMod val="132000"/>
+              </a:schemeClr>
+            </a:duotone>
+          </a:blip>
+          <a:stretch/>
+        </a:blipFill>
+        <a:effectLst/>
+      </p:bgPr>
+    </p:bg>
     <p:spTree>
       <p:nvGrpSpPr>
         <p:cNvPr id="1" name=""/>
@@ -10743,9 +10767,16 @@
             <p:ph type="title"/>
           </p:nvPr>
         </p:nvSpPr>
-        <p:spPr/>
-        <p:txBody>
-          <a:bodyPr/>
+        <p:spPr>
+          <a:xfrm>
+            <a:off x="646112" y="452718"/>
+            <a:ext cx="4165580" cy="1400530"/>
+          </a:xfrm>
+        </p:spPr>
+        <p:txBody>
+          <a:bodyPr>
+            <a:normAutofit/>
+          </a:bodyPr>
           <a:lstStyle/>
           <a:p>
             <a:r>
@@ -10754,6 +10785,908 @@
             </a:r>
           </a:p>
         </p:txBody>
+      </p:sp>
+      <p:sp>
+        <p:nvSpPr>
+          <p:cNvPr id="12" name="Freeform: Shape 11">
+            <a:extLst>
+              <a:ext uri="{FF2B5EF4-FFF2-40B4-BE49-F238E27FC236}">
+                <a16:creationId xmlns:a16="http://schemas.microsoft.com/office/drawing/2014/main" id="{7DAA46B9-B7E8-4487-B28E-C63A6EB7AA27}"/>
+              </a:ext>
+              <a:ext uri="{C183D7F6-B498-43B3-948B-1728B52AA6E4}">
+                <adec:decorative xmlns:adec="http://schemas.microsoft.com/office/drawing/2017/decorative" val="1"/>
+              </a:ext>
+            </a:extLst>
+          </p:cNvPr>
+          <p:cNvSpPr>
+            <a:spLocks noGrp="1" noRot="1" noChangeAspect="1" noMove="1" noResize="1" noEditPoints="1" noAdjustHandles="1" noChangeArrowheads="1" noChangeShapeType="1" noTextEdit="1"/>
+          </p:cNvSpPr>
+          <p:nvPr>
+            <p:extLst>
+              <p:ext uri="{386F3935-93C4-4BCD-93E2-E3B085C9AB24}">
+                <p16:designElem xmlns:p16="http://schemas.microsoft.com/office/powerpoint/2015/main" val="1"/>
+              </p:ext>
+            </p:extLst>
+          </p:nvPr>
+        </p:nvSpPr>
+        <p:spPr bwMode="gray">
+          <a:xfrm rot="16200000">
+            <a:off x="5270819" y="-63600"/>
+            <a:ext cx="6858001" cy="6985200"/>
+          </a:xfrm>
+          <a:custGeom>
+            <a:avLst/>
+            <a:gdLst>
+              <a:gd name="connsiteX0" fmla="*/ 6858001 w 6858001"/>
+              <a:gd name="connsiteY0" fmla="*/ 1177 h 6985200"/>
+              <a:gd name="connsiteX1" fmla="*/ 6858001 w 6858001"/>
+              <a:gd name="connsiteY1" fmla="*/ 1344715 h 6985200"/>
+              <a:gd name="connsiteX2" fmla="*/ 6858000 w 6858001"/>
+              <a:gd name="connsiteY2" fmla="*/ 1344715 h 6985200"/>
+              <a:gd name="connsiteX3" fmla="*/ 6858000 w 6858001"/>
+              <a:gd name="connsiteY3" fmla="*/ 6985200 h 6985200"/>
+              <a:gd name="connsiteX4" fmla="*/ 0 w 6858001"/>
+              <a:gd name="connsiteY4" fmla="*/ 6985199 h 6985200"/>
+              <a:gd name="connsiteX5" fmla="*/ 0 w 6858001"/>
+              <a:gd name="connsiteY5" fmla="*/ 887191 h 6985200"/>
+              <a:gd name="connsiteX6" fmla="*/ 1 w 6858001"/>
+              <a:gd name="connsiteY6" fmla="*/ 887191 h 6985200"/>
+              <a:gd name="connsiteX7" fmla="*/ 1 w 6858001"/>
+              <a:gd name="connsiteY7" fmla="*/ 0 h 6985200"/>
+              <a:gd name="connsiteX8" fmla="*/ 40463 w 6858001"/>
+              <a:gd name="connsiteY8" fmla="*/ 5883 h 6985200"/>
+              <a:gd name="connsiteX9" fmla="*/ 159107 w 6858001"/>
+              <a:gd name="connsiteY9" fmla="*/ 23196 h 6985200"/>
+              <a:gd name="connsiteX10" fmla="*/ 245518 w 6858001"/>
+              <a:gd name="connsiteY10" fmla="*/ 35299 h 6985200"/>
+              <a:gd name="connsiteX11" fmla="*/ 348388 w 6858001"/>
+              <a:gd name="connsiteY11" fmla="*/ 48073 h 6985200"/>
+              <a:gd name="connsiteX12" fmla="*/ 470460 w 6858001"/>
+              <a:gd name="connsiteY12" fmla="*/ 63369 h 6985200"/>
+              <a:gd name="connsiteX13" fmla="*/ 605563 w 6858001"/>
+              <a:gd name="connsiteY13" fmla="*/ 79506 h 6985200"/>
+              <a:gd name="connsiteX14" fmla="*/ 757810 w 6858001"/>
+              <a:gd name="connsiteY14" fmla="*/ 96483 h 6985200"/>
+              <a:gd name="connsiteX15" fmla="*/ 923774 w 6858001"/>
+              <a:gd name="connsiteY15" fmla="*/ 114469 h 6985200"/>
+              <a:gd name="connsiteX16" fmla="*/ 1104139 w 6858001"/>
+              <a:gd name="connsiteY16" fmla="*/ 132454 h 6985200"/>
+              <a:gd name="connsiteX17" fmla="*/ 1296163 w 6858001"/>
+              <a:gd name="connsiteY17" fmla="*/ 150776 h 6985200"/>
+              <a:gd name="connsiteX18" fmla="*/ 1503275 w 6858001"/>
+              <a:gd name="connsiteY18" fmla="*/ 167753 h 6985200"/>
+              <a:gd name="connsiteX19" fmla="*/ 1719988 w 6858001"/>
+              <a:gd name="connsiteY19" fmla="*/ 184058 h 6985200"/>
+              <a:gd name="connsiteX20" fmla="*/ 1949045 w 6858001"/>
+              <a:gd name="connsiteY20" fmla="*/ 198849 h 6985200"/>
+              <a:gd name="connsiteX21" fmla="*/ 2187703 w 6858001"/>
+              <a:gd name="connsiteY21" fmla="*/ 212969 h 6985200"/>
+              <a:gd name="connsiteX22" fmla="*/ 2436649 w 6858001"/>
+              <a:gd name="connsiteY22" fmla="*/ 226248 h 6985200"/>
+              <a:gd name="connsiteX23" fmla="*/ 2564208 w 6858001"/>
+              <a:gd name="connsiteY23" fmla="*/ 230955 h 6985200"/>
+              <a:gd name="connsiteX24" fmla="*/ 2694509 w 6858001"/>
+              <a:gd name="connsiteY24" fmla="*/ 236165 h 6985200"/>
+              <a:gd name="connsiteX25" fmla="*/ 2826869 w 6858001"/>
+              <a:gd name="connsiteY25" fmla="*/ 241040 h 6985200"/>
+              <a:gd name="connsiteX26" fmla="*/ 2959914 w 6858001"/>
+              <a:gd name="connsiteY26" fmla="*/ 244234 h 6985200"/>
+              <a:gd name="connsiteX27" fmla="*/ 3095702 w 6858001"/>
+              <a:gd name="connsiteY27" fmla="*/ 247091 h 6985200"/>
+              <a:gd name="connsiteX28" fmla="*/ 3232862 w 6858001"/>
+              <a:gd name="connsiteY28" fmla="*/ 250117 h 6985200"/>
+              <a:gd name="connsiteX29" fmla="*/ 3372766 w 6858001"/>
+              <a:gd name="connsiteY29" fmla="*/ 252134 h 6985200"/>
+              <a:gd name="connsiteX30" fmla="*/ 3514040 w 6858001"/>
+              <a:gd name="connsiteY30" fmla="*/ 252134 h 6985200"/>
+              <a:gd name="connsiteX31" fmla="*/ 3656686 w 6858001"/>
+              <a:gd name="connsiteY31" fmla="*/ 253142 h 6985200"/>
+              <a:gd name="connsiteX32" fmla="*/ 3800705 w 6858001"/>
+              <a:gd name="connsiteY32" fmla="*/ 252134 h 6985200"/>
+              <a:gd name="connsiteX33" fmla="*/ 3946780 w 6858001"/>
+              <a:gd name="connsiteY33" fmla="*/ 250117 h 6985200"/>
+              <a:gd name="connsiteX34" fmla="*/ 4092856 w 6858001"/>
+              <a:gd name="connsiteY34" fmla="*/ 248268 h 6985200"/>
+              <a:gd name="connsiteX35" fmla="*/ 4240988 w 6858001"/>
+              <a:gd name="connsiteY35" fmla="*/ 244234 h 6985200"/>
+              <a:gd name="connsiteX36" fmla="*/ 4390492 w 6858001"/>
+              <a:gd name="connsiteY36" fmla="*/ 240032 h 6985200"/>
+              <a:gd name="connsiteX37" fmla="*/ 4539997 w 6858001"/>
+              <a:gd name="connsiteY37" fmla="*/ 235157 h 6985200"/>
+              <a:gd name="connsiteX38" fmla="*/ 4690873 w 6858001"/>
+              <a:gd name="connsiteY38" fmla="*/ 228266 h 6985200"/>
+              <a:gd name="connsiteX39" fmla="*/ 4843120 w 6858001"/>
+              <a:gd name="connsiteY39" fmla="*/ 220029 h 6985200"/>
+              <a:gd name="connsiteX40" fmla="*/ 4996054 w 6858001"/>
+              <a:gd name="connsiteY40" fmla="*/ 212129 h 6985200"/>
+              <a:gd name="connsiteX41" fmla="*/ 5148987 w 6858001"/>
+              <a:gd name="connsiteY41" fmla="*/ 202044 h 6985200"/>
+              <a:gd name="connsiteX42" fmla="*/ 5303978 w 6858001"/>
+              <a:gd name="connsiteY42" fmla="*/ 189941 h 6985200"/>
+              <a:gd name="connsiteX43" fmla="*/ 5456911 w 6858001"/>
+              <a:gd name="connsiteY43" fmla="*/ 177839 h 6985200"/>
+              <a:gd name="connsiteX44" fmla="*/ 5612588 w 6858001"/>
+              <a:gd name="connsiteY44" fmla="*/ 163887 h 6985200"/>
+              <a:gd name="connsiteX45" fmla="*/ 5768950 w 6858001"/>
+              <a:gd name="connsiteY45" fmla="*/ 148591 h 6985200"/>
+              <a:gd name="connsiteX46" fmla="*/ 5923255 w 6858001"/>
+              <a:gd name="connsiteY46" fmla="*/ 132455 h 6985200"/>
+              <a:gd name="connsiteX47" fmla="*/ 6079618 w 6858001"/>
+              <a:gd name="connsiteY47" fmla="*/ 113629 h 6985200"/>
+              <a:gd name="connsiteX48" fmla="*/ 6235294 w 6858001"/>
+              <a:gd name="connsiteY48" fmla="*/ 93458 h 6985200"/>
+              <a:gd name="connsiteX49" fmla="*/ 6391657 w 6858001"/>
+              <a:gd name="connsiteY49" fmla="*/ 73455 h 6985200"/>
+              <a:gd name="connsiteX50" fmla="*/ 6547333 w 6858001"/>
+              <a:gd name="connsiteY50" fmla="*/ 50091 h 6985200"/>
+              <a:gd name="connsiteX51" fmla="*/ 6702324 w 6858001"/>
+              <a:gd name="connsiteY51" fmla="*/ 26222 h 6985200"/>
+            </a:gdLst>
+            <a:ahLst/>
+            <a:cxnLst>
+              <a:cxn ang="0">
+                <a:pos x="connsiteX0" y="connsiteY0"/>
+              </a:cxn>
+              <a:cxn ang="0">
+                <a:pos x="connsiteX1" y="connsiteY1"/>
+              </a:cxn>
+              <a:cxn ang="0">
+                <a:pos x="connsiteX2" y="connsiteY2"/>
+              </a:cxn>
+              <a:cxn ang="0">
+                <a:pos x="connsiteX3" y="connsiteY3"/>
+              </a:cxn>
+              <a:cxn ang="0">
+                <a:pos x="connsiteX4" y="connsiteY4"/>
+              </a:cxn>
+              <a:cxn ang="0">
+                <a:pos x="connsiteX5" y="connsiteY5"/>
+              </a:cxn>
+              <a:cxn ang="0">
+                <a:pos x="connsiteX6" y="connsiteY6"/>
+              </a:cxn>
+              <a:cxn ang="0">
+                <a:pos x="connsiteX7" y="connsiteY7"/>
+              </a:cxn>
+              <a:cxn ang="0">
+                <a:pos x="connsiteX8" y="connsiteY8"/>
+              </a:cxn>
+              <a:cxn ang="0">
+                <a:pos x="connsiteX9" y="connsiteY9"/>
+              </a:cxn>
+              <a:cxn ang="0">
+                <a:pos x="connsiteX10" y="connsiteY10"/>
+              </a:cxn>
+              <a:cxn ang="0">
+                <a:pos x="connsiteX11" y="connsiteY11"/>
+              </a:cxn>
+              <a:cxn ang="0">
+                <a:pos x="connsiteX12" y="connsiteY12"/>
+              </a:cxn>
+              <a:cxn ang="0">
+                <a:pos x="connsiteX13" y="connsiteY13"/>
+              </a:cxn>
+              <a:cxn ang="0">
+                <a:pos x="connsiteX14" y="connsiteY14"/>
+              </a:cxn>
+              <a:cxn ang="0">
+                <a:pos x="connsiteX15" y="connsiteY15"/>
+              </a:cxn>
+              <a:cxn ang="0">
+                <a:pos x="connsiteX16" y="connsiteY16"/>
+              </a:cxn>
+              <a:cxn ang="0">
+                <a:pos x="connsiteX17" y="connsiteY17"/>
+              </a:cxn>
+              <a:cxn ang="0">
+                <a:pos x="connsiteX18" y="connsiteY18"/>
+              </a:cxn>
+              <a:cxn ang="0">
+                <a:pos x="connsiteX19" y="connsiteY19"/>
+              </a:cxn>
+              <a:cxn ang="0">
+                <a:pos x="connsiteX20" y="connsiteY20"/>
+              </a:cxn>
+              <a:cxn ang="0">
+                <a:pos x="connsiteX21" y="connsiteY21"/>
+              </a:cxn>
+              <a:cxn ang="0">
+                <a:pos x="connsiteX22" y="connsiteY22"/>
+              </a:cxn>
+              <a:cxn ang="0">
+                <a:pos x="connsiteX23" y="connsiteY23"/>
+              </a:cxn>
+              <a:cxn ang="0">
+                <a:pos x="connsiteX24" y="connsiteY24"/>
+              </a:cxn>
+              <a:cxn ang="0">
+                <a:pos x="connsiteX25" y="connsiteY25"/>
+              </a:cxn>
+              <a:cxn ang="0">
+                <a:pos x="connsiteX26" y="connsiteY26"/>
+              </a:cxn>
+              <a:cxn ang="0">
+                <a:pos x="connsiteX27" y="connsiteY27"/>
+              </a:cxn>
+              <a:cxn ang="0">
+                <a:pos x="connsiteX28" y="connsiteY28"/>
+              </a:cxn>
+              <a:cxn ang="0">
+                <a:pos x="connsiteX29" y="connsiteY29"/>
+              </a:cxn>
+              <a:cxn ang="0">
+                <a:pos x="connsiteX30" y="connsiteY30"/>
+              </a:cxn>
+              <a:cxn ang="0">
+                <a:pos x="connsiteX31" y="connsiteY31"/>
+              </a:cxn>
+              <a:cxn ang="0">
+                <a:pos x="connsiteX32" y="connsiteY32"/>
+              </a:cxn>
+              <a:cxn ang="0">
+                <a:pos x="connsiteX33" y="connsiteY33"/>
+              </a:cxn>
+              <a:cxn ang="0">
+                <a:pos x="connsiteX34" y="connsiteY34"/>
+              </a:cxn>
+              <a:cxn ang="0">
+                <a:pos x="connsiteX35" y="connsiteY35"/>
+              </a:cxn>
+              <a:cxn ang="0">
+                <a:pos x="connsiteX36" y="connsiteY36"/>
+              </a:cxn>
+              <a:cxn ang="0">
+                <a:pos x="connsiteX37" y="connsiteY37"/>
+              </a:cxn>
+              <a:cxn ang="0">
+                <a:pos x="connsiteX38" y="connsiteY38"/>
+              </a:cxn>
+              <a:cxn ang="0">
+                <a:pos x="connsiteX39" y="connsiteY39"/>
+              </a:cxn>
+              <a:cxn ang="0">
+                <a:pos x="connsiteX40" y="connsiteY40"/>
+              </a:cxn>
+              <a:cxn ang="0">
+                <a:pos x="connsiteX41" y="connsiteY41"/>
+              </a:cxn>
+              <a:cxn ang="0">
+                <a:pos x="connsiteX42" y="connsiteY42"/>
+              </a:cxn>
+              <a:cxn ang="0">
+                <a:pos x="connsiteX43" y="connsiteY43"/>
+              </a:cxn>
+              <a:cxn ang="0">
+                <a:pos x="connsiteX44" y="connsiteY44"/>
+              </a:cxn>
+              <a:cxn ang="0">
+                <a:pos x="connsiteX45" y="connsiteY45"/>
+              </a:cxn>
+              <a:cxn ang="0">
+                <a:pos x="connsiteX46" y="connsiteY46"/>
+              </a:cxn>
+              <a:cxn ang="0">
+                <a:pos x="connsiteX47" y="connsiteY47"/>
+              </a:cxn>
+              <a:cxn ang="0">
+                <a:pos x="connsiteX48" y="connsiteY48"/>
+              </a:cxn>
+              <a:cxn ang="0">
+                <a:pos x="connsiteX49" y="connsiteY49"/>
+              </a:cxn>
+              <a:cxn ang="0">
+                <a:pos x="connsiteX50" y="connsiteY50"/>
+              </a:cxn>
+              <a:cxn ang="0">
+                <a:pos x="connsiteX51" y="connsiteY51"/>
+              </a:cxn>
+            </a:cxnLst>
+            <a:rect l="l" t="t" r="r" b="b"/>
+            <a:pathLst>
+              <a:path w="6858001" h="6985200">
+                <a:moveTo>
+                  <a:pt x="6858001" y="1177"/>
+                </a:moveTo>
+                <a:lnTo>
+                  <a:pt x="6858001" y="1344715"/>
+                </a:lnTo>
+                <a:lnTo>
+                  <a:pt x="6858000" y="1344715"/>
+                </a:lnTo>
+                <a:lnTo>
+                  <a:pt x="6858000" y="6985200"/>
+                </a:lnTo>
+                <a:lnTo>
+                  <a:pt x="0" y="6985199"/>
+                </a:lnTo>
+                <a:lnTo>
+                  <a:pt x="0" y="887191"/>
+                </a:lnTo>
+                <a:lnTo>
+                  <a:pt x="1" y="887191"/>
+                </a:lnTo>
+                <a:lnTo>
+                  <a:pt x="1" y="0"/>
+                </a:lnTo>
+                <a:lnTo>
+                  <a:pt x="40463" y="5883"/>
+                </a:lnTo>
+                <a:lnTo>
+                  <a:pt x="159107" y="23196"/>
+                </a:lnTo>
+                <a:lnTo>
+                  <a:pt x="245518" y="35299"/>
+                </a:lnTo>
+                <a:lnTo>
+                  <a:pt x="348388" y="48073"/>
+                </a:lnTo>
+                <a:lnTo>
+                  <a:pt x="470460" y="63369"/>
+                </a:lnTo>
+                <a:lnTo>
+                  <a:pt x="605563" y="79506"/>
+                </a:lnTo>
+                <a:lnTo>
+                  <a:pt x="757810" y="96483"/>
+                </a:lnTo>
+                <a:lnTo>
+                  <a:pt x="923774" y="114469"/>
+                </a:lnTo>
+                <a:lnTo>
+                  <a:pt x="1104139" y="132454"/>
+                </a:lnTo>
+                <a:lnTo>
+                  <a:pt x="1296163" y="150776"/>
+                </a:lnTo>
+                <a:lnTo>
+                  <a:pt x="1503275" y="167753"/>
+                </a:lnTo>
+                <a:lnTo>
+                  <a:pt x="1719988" y="184058"/>
+                </a:lnTo>
+                <a:lnTo>
+                  <a:pt x="1949045" y="198849"/>
+                </a:lnTo>
+                <a:lnTo>
+                  <a:pt x="2187703" y="212969"/>
+                </a:lnTo>
+                <a:lnTo>
+                  <a:pt x="2436649" y="226248"/>
+                </a:lnTo>
+                <a:lnTo>
+                  <a:pt x="2564208" y="230955"/>
+                </a:lnTo>
+                <a:lnTo>
+                  <a:pt x="2694509" y="236165"/>
+                </a:lnTo>
+                <a:lnTo>
+                  <a:pt x="2826869" y="241040"/>
+                </a:lnTo>
+                <a:lnTo>
+                  <a:pt x="2959914" y="244234"/>
+                </a:lnTo>
+                <a:lnTo>
+                  <a:pt x="3095702" y="247091"/>
+                </a:lnTo>
+                <a:lnTo>
+                  <a:pt x="3232862" y="250117"/>
+                </a:lnTo>
+                <a:lnTo>
+                  <a:pt x="3372766" y="252134"/>
+                </a:lnTo>
+                <a:lnTo>
+                  <a:pt x="3514040" y="252134"/>
+                </a:lnTo>
+                <a:lnTo>
+                  <a:pt x="3656686" y="253142"/>
+                </a:lnTo>
+                <a:lnTo>
+                  <a:pt x="3800705" y="252134"/>
+                </a:lnTo>
+                <a:lnTo>
+                  <a:pt x="3946780" y="250117"/>
+                </a:lnTo>
+                <a:lnTo>
+                  <a:pt x="4092856" y="248268"/>
+                </a:lnTo>
+                <a:lnTo>
+                  <a:pt x="4240988" y="244234"/>
+                </a:lnTo>
+                <a:lnTo>
+                  <a:pt x="4390492" y="240032"/>
+                </a:lnTo>
+                <a:lnTo>
+                  <a:pt x="4539997" y="235157"/>
+                </a:lnTo>
+                <a:lnTo>
+                  <a:pt x="4690873" y="228266"/>
+                </a:lnTo>
+                <a:lnTo>
+                  <a:pt x="4843120" y="220029"/>
+                </a:lnTo>
+                <a:lnTo>
+                  <a:pt x="4996054" y="212129"/>
+                </a:lnTo>
+                <a:lnTo>
+                  <a:pt x="5148987" y="202044"/>
+                </a:lnTo>
+                <a:lnTo>
+                  <a:pt x="5303978" y="189941"/>
+                </a:lnTo>
+                <a:lnTo>
+                  <a:pt x="5456911" y="177839"/>
+                </a:lnTo>
+                <a:lnTo>
+                  <a:pt x="5612588" y="163887"/>
+                </a:lnTo>
+                <a:lnTo>
+                  <a:pt x="5768950" y="148591"/>
+                </a:lnTo>
+                <a:lnTo>
+                  <a:pt x="5923255" y="132455"/>
+                </a:lnTo>
+                <a:lnTo>
+                  <a:pt x="6079618" y="113629"/>
+                </a:lnTo>
+                <a:lnTo>
+                  <a:pt x="6235294" y="93458"/>
+                </a:lnTo>
+                <a:lnTo>
+                  <a:pt x="6391657" y="73455"/>
+                </a:lnTo>
+                <a:lnTo>
+                  <a:pt x="6547333" y="50091"/>
+                </a:lnTo>
+                <a:lnTo>
+                  <a:pt x="6702324" y="26222"/>
+                </a:lnTo>
+                <a:close/>
+              </a:path>
+            </a:pathLst>
+          </a:custGeom>
+          <a:solidFill>
+            <a:srgbClr val="FFFFFF"/>
+          </a:solidFill>
+          <a:ln>
+            <a:noFill/>
+          </a:ln>
+        </p:spPr>
+      </p:sp>
+      <p:sp>
+        <p:nvSpPr>
+          <p:cNvPr id="14" name="Freeform 23">
+            <a:extLst>
+              <a:ext uri="{FF2B5EF4-FFF2-40B4-BE49-F238E27FC236}">
+                <a16:creationId xmlns:a16="http://schemas.microsoft.com/office/drawing/2014/main" id="{C866818C-1E5F-475A-B310-3C06B555FB69}"/>
+              </a:ext>
+              <a:ext uri="{C183D7F6-B498-43B3-948B-1728B52AA6E4}">
+                <adec:decorative xmlns:adec="http://schemas.microsoft.com/office/drawing/2017/decorative" val="1"/>
+              </a:ext>
+            </a:extLst>
+          </p:cNvPr>
+          <p:cNvSpPr>
+            <a:spLocks noGrp="1" noRot="1" noChangeAspect="1" noMove="1" noResize="1" noEditPoints="1" noAdjustHandles="1" noChangeArrowheads="1" noChangeShapeType="1" noTextEdit="1"/>
+          </p:cNvSpPr>
+          <p:nvPr>
+            <p:extLst>
+              <p:ext uri="{386F3935-93C4-4BCD-93E2-E3B085C9AB24}">
+                <p16:designElem xmlns:p16="http://schemas.microsoft.com/office/powerpoint/2015/main" val="1"/>
+              </p:ext>
+            </p:extLst>
+          </p:nvPr>
+        </p:nvSpPr>
+        <p:spPr>
+          <a:xfrm>
+            <a:off x="4994020" y="-1"/>
+            <a:ext cx="559472" cy="3709642"/>
+          </a:xfrm>
+          <a:custGeom>
+            <a:avLst/>
+            <a:gdLst>
+              <a:gd name="connsiteX0" fmla="*/ 0 w 559472"/>
+              <a:gd name="connsiteY0" fmla="*/ 0 h 3709642"/>
+              <a:gd name="connsiteX1" fmla="*/ 473952 w 559472"/>
+              <a:gd name="connsiteY1" fmla="*/ 0 h 3709642"/>
+              <a:gd name="connsiteX2" fmla="*/ 485840 w 559472"/>
+              <a:gd name="connsiteY2" fmla="*/ 161194 h 3709642"/>
+              <a:gd name="connsiteX3" fmla="*/ 523949 w 559472"/>
+              <a:gd name="connsiteY3" fmla="*/ 3672197 h 3709642"/>
+              <a:gd name="connsiteX4" fmla="*/ 454748 w 559472"/>
+              <a:gd name="connsiteY4" fmla="*/ 3709642 h 3709642"/>
+              <a:gd name="connsiteX5" fmla="*/ 448224 w 559472"/>
+              <a:gd name="connsiteY5" fmla="*/ 3510471 h 3709642"/>
+              <a:gd name="connsiteX6" fmla="*/ 443564 w 559472"/>
+              <a:gd name="connsiteY6" fmla="*/ 3408563 h 3709642"/>
+              <a:gd name="connsiteX7" fmla="*/ 438902 w 559472"/>
+              <a:gd name="connsiteY7" fmla="*/ 3304407 h 3709642"/>
+              <a:gd name="connsiteX8" fmla="*/ 433941 w 559472"/>
+              <a:gd name="connsiteY8" fmla="*/ 3198777 h 3709642"/>
+              <a:gd name="connsiteX9" fmla="*/ 427584 w 559472"/>
+              <a:gd name="connsiteY9" fmla="*/ 3092510 h 3709642"/>
+              <a:gd name="connsiteX10" fmla="*/ 420988 w 559472"/>
+              <a:gd name="connsiteY10" fmla="*/ 2984390 h 3709642"/>
+              <a:gd name="connsiteX11" fmla="*/ 414330 w 559472"/>
+              <a:gd name="connsiteY11" fmla="*/ 2874401 h 3709642"/>
+              <a:gd name="connsiteX12" fmla="*/ 406840 w 559472"/>
+              <a:gd name="connsiteY12" fmla="*/ 2762980 h 3709642"/>
+              <a:gd name="connsiteX13" fmla="*/ 397745 w 559472"/>
+              <a:gd name="connsiteY13" fmla="*/ 2650566 h 3709642"/>
+              <a:gd name="connsiteX14" fmla="*/ 389154 w 559472"/>
+              <a:gd name="connsiteY14" fmla="*/ 2536612 h 3709642"/>
+              <a:gd name="connsiteX15" fmla="*/ 379225 w 559472"/>
+              <a:gd name="connsiteY15" fmla="*/ 2421642 h 3709642"/>
+              <a:gd name="connsiteX16" fmla="*/ 368316 w 559472"/>
+              <a:gd name="connsiteY16" fmla="*/ 2305627 h 3709642"/>
+              <a:gd name="connsiteX17" fmla="*/ 357466 w 559472"/>
+              <a:gd name="connsiteY17" fmla="*/ 2189233 h 3709642"/>
+              <a:gd name="connsiteX18" fmla="*/ 344982 w 559472"/>
+              <a:gd name="connsiteY18" fmla="*/ 2071473 h 3709642"/>
+              <a:gd name="connsiteX19" fmla="*/ 332466 w 559472"/>
+              <a:gd name="connsiteY19" fmla="*/ 1952216 h 3709642"/>
+              <a:gd name="connsiteX20" fmla="*/ 319121 w 559472"/>
+              <a:gd name="connsiteY20" fmla="*/ 1833776 h 3709642"/>
+              <a:gd name="connsiteX21" fmla="*/ 304408 w 559472"/>
+              <a:gd name="connsiteY21" fmla="*/ 1713948 h 3709642"/>
+              <a:gd name="connsiteX22" fmla="*/ 288685 w 559472"/>
+              <a:gd name="connsiteY22" fmla="*/ 1592703 h 3709642"/>
+              <a:gd name="connsiteX23" fmla="*/ 273050 w 559472"/>
+              <a:gd name="connsiteY23" fmla="*/ 1471451 h 3709642"/>
+              <a:gd name="connsiteX24" fmla="*/ 255813 w 559472"/>
+              <a:gd name="connsiteY24" fmla="*/ 1350328 h 3709642"/>
+              <a:gd name="connsiteX25" fmla="*/ 237060 w 559472"/>
+              <a:gd name="connsiteY25" fmla="*/ 1227080 h 3709642"/>
+              <a:gd name="connsiteX26" fmla="*/ 218488 w 559472"/>
+              <a:gd name="connsiteY26" fmla="*/ 1106065 h 3709642"/>
+              <a:gd name="connsiteX27" fmla="*/ 198221 w 559472"/>
+              <a:gd name="connsiteY27" fmla="*/ 982940 h 3709642"/>
+              <a:gd name="connsiteX28" fmla="*/ 177152 w 559472"/>
+              <a:gd name="connsiteY28" fmla="*/ 858755 h 3709642"/>
+              <a:gd name="connsiteX29" fmla="*/ 155551 w 559472"/>
+              <a:gd name="connsiteY29" fmla="*/ 736861 h 3709642"/>
+              <a:gd name="connsiteX30" fmla="*/ 131782 w 559472"/>
+              <a:gd name="connsiteY30" fmla="*/ 613645 h 3709642"/>
+              <a:gd name="connsiteX31" fmla="*/ 107123 w 559472"/>
+              <a:gd name="connsiteY31" fmla="*/ 490500 h 3709642"/>
+              <a:gd name="connsiteX32" fmla="*/ 82552 w 559472"/>
+              <a:gd name="connsiteY32" fmla="*/ 367348 h 3709642"/>
+              <a:gd name="connsiteX33" fmla="*/ 55608 w 559472"/>
+              <a:gd name="connsiteY33" fmla="*/ 244762 h 3709642"/>
+              <a:gd name="connsiteX34" fmla="*/ 28130 w 559472"/>
+              <a:gd name="connsiteY34" fmla="*/ 122220 h 3709642"/>
+              <a:gd name="connsiteX35" fmla="*/ 0 w 559472"/>
+              <a:gd name="connsiteY35" fmla="*/ 0 h 3709642"/>
+            </a:gdLst>
+            <a:ahLst/>
+            <a:cxnLst>
+              <a:cxn ang="0">
+                <a:pos x="connsiteX0" y="connsiteY0"/>
+              </a:cxn>
+              <a:cxn ang="0">
+                <a:pos x="connsiteX1" y="connsiteY1"/>
+              </a:cxn>
+              <a:cxn ang="0">
+                <a:pos x="connsiteX2" y="connsiteY2"/>
+              </a:cxn>
+              <a:cxn ang="0">
+                <a:pos x="connsiteX3" y="connsiteY3"/>
+              </a:cxn>
+              <a:cxn ang="0">
+                <a:pos x="connsiteX4" y="connsiteY4"/>
+              </a:cxn>
+              <a:cxn ang="0">
+                <a:pos x="connsiteX5" y="connsiteY5"/>
+              </a:cxn>
+              <a:cxn ang="0">
+                <a:pos x="connsiteX6" y="connsiteY6"/>
+              </a:cxn>
+              <a:cxn ang="0">
+                <a:pos x="connsiteX7" y="connsiteY7"/>
+              </a:cxn>
+              <a:cxn ang="0">
+                <a:pos x="connsiteX8" y="connsiteY8"/>
+              </a:cxn>
+              <a:cxn ang="0">
+                <a:pos x="connsiteX9" y="connsiteY9"/>
+              </a:cxn>
+              <a:cxn ang="0">
+                <a:pos x="connsiteX10" y="connsiteY10"/>
+              </a:cxn>
+              <a:cxn ang="0">
+                <a:pos x="connsiteX11" y="connsiteY11"/>
+              </a:cxn>
+              <a:cxn ang="0">
+                <a:pos x="connsiteX12" y="connsiteY12"/>
+              </a:cxn>
+              <a:cxn ang="0">
+                <a:pos x="connsiteX13" y="connsiteY13"/>
+              </a:cxn>
+              <a:cxn ang="0">
+                <a:pos x="connsiteX14" y="connsiteY14"/>
+              </a:cxn>
+              <a:cxn ang="0">
+                <a:pos x="connsiteX15" y="connsiteY15"/>
+              </a:cxn>
+              <a:cxn ang="0">
+                <a:pos x="connsiteX16" y="connsiteY16"/>
+              </a:cxn>
+              <a:cxn ang="0">
+                <a:pos x="connsiteX17" y="connsiteY17"/>
+              </a:cxn>
+              <a:cxn ang="0">
+                <a:pos x="connsiteX18" y="connsiteY18"/>
+              </a:cxn>
+              <a:cxn ang="0">
+                <a:pos x="connsiteX19" y="connsiteY19"/>
+              </a:cxn>
+              <a:cxn ang="0">
+                <a:pos x="connsiteX20" y="connsiteY20"/>
+              </a:cxn>
+              <a:cxn ang="0">
+                <a:pos x="connsiteX21" y="connsiteY21"/>
+              </a:cxn>
+              <a:cxn ang="0">
+                <a:pos x="connsiteX22" y="connsiteY22"/>
+              </a:cxn>
+              <a:cxn ang="0">
+                <a:pos x="connsiteX23" y="connsiteY23"/>
+              </a:cxn>
+              <a:cxn ang="0">
+                <a:pos x="connsiteX24" y="connsiteY24"/>
+              </a:cxn>
+              <a:cxn ang="0">
+                <a:pos x="connsiteX25" y="connsiteY25"/>
+              </a:cxn>
+              <a:cxn ang="0">
+                <a:pos x="connsiteX26" y="connsiteY26"/>
+              </a:cxn>
+              <a:cxn ang="0">
+                <a:pos x="connsiteX27" y="connsiteY27"/>
+              </a:cxn>
+              <a:cxn ang="0">
+                <a:pos x="connsiteX28" y="connsiteY28"/>
+              </a:cxn>
+              <a:cxn ang="0">
+                <a:pos x="connsiteX29" y="connsiteY29"/>
+              </a:cxn>
+              <a:cxn ang="0">
+                <a:pos x="connsiteX30" y="connsiteY30"/>
+              </a:cxn>
+              <a:cxn ang="0">
+                <a:pos x="connsiteX31" y="connsiteY31"/>
+              </a:cxn>
+              <a:cxn ang="0">
+                <a:pos x="connsiteX32" y="connsiteY32"/>
+              </a:cxn>
+              <a:cxn ang="0">
+                <a:pos x="connsiteX33" y="connsiteY33"/>
+              </a:cxn>
+              <a:cxn ang="0">
+                <a:pos x="connsiteX34" y="connsiteY34"/>
+              </a:cxn>
+              <a:cxn ang="0">
+                <a:pos x="connsiteX35" y="connsiteY35"/>
+              </a:cxn>
+            </a:cxnLst>
+            <a:rect l="l" t="t" r="r" b="b"/>
+            <a:pathLst>
+              <a:path w="559472" h="3709642">
+                <a:moveTo>
+                  <a:pt x="0" y="0"/>
+                </a:moveTo>
+                <a:lnTo>
+                  <a:pt x="473952" y="0"/>
+                </a:lnTo>
+                <a:lnTo>
+                  <a:pt x="485840" y="161194"/>
+                </a:lnTo>
+                <a:cubicBezTo>
+                  <a:pt x="552063" y="1147770"/>
+                  <a:pt x="592441" y="3086737"/>
+                  <a:pt x="523949" y="3672197"/>
+                </a:cubicBezTo>
+                <a:cubicBezTo>
+                  <a:pt x="500842" y="3684557"/>
+                  <a:pt x="477855" y="3697282"/>
+                  <a:pt x="454748" y="3709642"/>
+                </a:cubicBezTo>
+                <a:lnTo>
+                  <a:pt x="448224" y="3510471"/>
+                </a:lnTo>
+                <a:lnTo>
+                  <a:pt x="443564" y="3408563"/>
+                </a:lnTo>
+                <a:lnTo>
+                  <a:pt x="438902" y="3304407"/>
+                </a:lnTo>
+                <a:lnTo>
+                  <a:pt x="433941" y="3198777"/>
+                </a:lnTo>
+                <a:lnTo>
+                  <a:pt x="427584" y="3092510"/>
+                </a:lnTo>
+                <a:lnTo>
+                  <a:pt x="420988" y="2984390"/>
+                </a:lnTo>
+                <a:lnTo>
+                  <a:pt x="414330" y="2874401"/>
+                </a:lnTo>
+                <a:lnTo>
+                  <a:pt x="406840" y="2762980"/>
+                </a:lnTo>
+                <a:lnTo>
+                  <a:pt x="397745" y="2650566"/>
+                </a:lnTo>
+                <a:lnTo>
+                  <a:pt x="389154" y="2536612"/>
+                </a:lnTo>
+                <a:lnTo>
+                  <a:pt x="379225" y="2421642"/>
+                </a:lnTo>
+                <a:lnTo>
+                  <a:pt x="368316" y="2305627"/>
+                </a:lnTo>
+                <a:lnTo>
+                  <a:pt x="357466" y="2189233"/>
+                </a:lnTo>
+                <a:lnTo>
+                  <a:pt x="344982" y="2071473"/>
+                </a:lnTo>
+                <a:lnTo>
+                  <a:pt x="332466" y="1952216"/>
+                </a:lnTo>
+                <a:lnTo>
+                  <a:pt x="319121" y="1833776"/>
+                </a:lnTo>
+                <a:lnTo>
+                  <a:pt x="304408" y="1713948"/>
+                </a:lnTo>
+                <a:lnTo>
+                  <a:pt x="288685" y="1592703"/>
+                </a:lnTo>
+                <a:lnTo>
+                  <a:pt x="273050" y="1471451"/>
+                </a:lnTo>
+                <a:lnTo>
+                  <a:pt x="255813" y="1350328"/>
+                </a:lnTo>
+                <a:lnTo>
+                  <a:pt x="237060" y="1227080"/>
+                </a:lnTo>
+                <a:lnTo>
+                  <a:pt x="218488" y="1106065"/>
+                </a:lnTo>
+                <a:lnTo>
+                  <a:pt x="198221" y="982940"/>
+                </a:lnTo>
+                <a:lnTo>
+                  <a:pt x="177152" y="858755"/>
+                </a:lnTo>
+                <a:lnTo>
+                  <a:pt x="155551" y="736861"/>
+                </a:lnTo>
+                <a:lnTo>
+                  <a:pt x="131782" y="613645"/>
+                </a:lnTo>
+                <a:lnTo>
+                  <a:pt x="107123" y="490500"/>
+                </a:lnTo>
+                <a:lnTo>
+                  <a:pt x="82552" y="367348"/>
+                </a:lnTo>
+                <a:lnTo>
+                  <a:pt x="55608" y="244762"/>
+                </a:lnTo>
+                <a:lnTo>
+                  <a:pt x="28130" y="122220"/>
+                </a:lnTo>
+                <a:lnTo>
+                  <a:pt x="0" y="0"/>
+                </a:lnTo>
+                <a:close/>
+              </a:path>
+            </a:pathLst>
+          </a:custGeom>
+          <a:solidFill>
+            <a:schemeClr val="tx1">
+              <a:alpha val="20000"/>
+            </a:schemeClr>
+          </a:solidFill>
+          <a:ln>
+            <a:noFill/>
+          </a:ln>
+        </p:spPr>
+        <p:txBody>
+          <a:bodyPr rtlCol="0" anchor="ctr"/>
+          <a:lstStyle/>
+          <a:p>
+            <a:pPr algn="ctr"/>
+            <a:endParaRPr lang="en-US"/>
+          </a:p>
+        </p:txBody>
+      </p:sp>
+      <p:pic>
+        <p:nvPicPr>
+          <p:cNvPr id="5" name="Picture 4" descr="Graphical user interface, chart, scatter chart&#10;&#10;Description automatically generated">
+            <a:extLst>
+              <a:ext uri="{FF2B5EF4-FFF2-40B4-BE49-F238E27FC236}">
+                <a16:creationId xmlns:a16="http://schemas.microsoft.com/office/drawing/2014/main" id="{FE94B8C7-963A-4553-8E05-22B073F5BCB5}"/>
+              </a:ext>
+            </a:extLst>
+          </p:cNvPr>
+          <p:cNvPicPr>
+            <a:picLocks noChangeAspect="1"/>
+          </p:cNvPicPr>
+          <p:nvPr/>
+        </p:nvPicPr>
+        <p:blipFill>
+          <a:blip r:embed="rId3"/>
+          <a:stretch>
+            <a:fillRect/>
+          </a:stretch>
+        </p:blipFill>
+        <p:spPr>
+          <a:xfrm>
+            <a:off x="6646408" y="647699"/>
+            <a:ext cx="4345474" cy="2683330"/>
+          </a:xfrm>
+          <a:prstGeom prst="rect">
+            <a:avLst/>
+          </a:prstGeom>
+          <a:effectLst/>
+        </p:spPr>
+      </p:pic>
+      <p:sp>
+        <p:nvSpPr>
+          <p:cNvPr id="16" name="Rectangle 15">
+            <a:extLst>
+              <a:ext uri="{FF2B5EF4-FFF2-40B4-BE49-F238E27FC236}">
+                <a16:creationId xmlns:a16="http://schemas.microsoft.com/office/drawing/2014/main" id="{D12AFDE8-E1ED-4A49-B8B3-4953F4B8ACB9}"/>
+              </a:ext>
+              <a:ext uri="{C183D7F6-B498-43B3-948B-1728B52AA6E4}">
+                <adec:decorative xmlns:adec="http://schemas.microsoft.com/office/drawing/2017/decorative" val="1"/>
+              </a:ext>
+            </a:extLst>
+          </p:cNvPr>
+          <p:cNvSpPr>
+            <a:spLocks noGrp="1" noRot="1" noChangeAspect="1" noMove="1" noResize="1" noEditPoints="1" noAdjustHandles="1" noChangeArrowheads="1" noChangeShapeType="1" noTextEdit="1"/>
+          </p:cNvSpPr>
+          <p:nvPr>
+            <p:extLst>
+              <p:ext uri="{386F3935-93C4-4BCD-93E2-E3B085C9AB24}">
+                <p16:designElem xmlns:p16="http://schemas.microsoft.com/office/powerpoint/2015/main" val="1"/>
+              </p:ext>
+            </p:extLst>
+          </p:nvPr>
+        </p:nvSpPr>
+        <p:spPr>
+          <a:xfrm>
+            <a:off x="10442448" y="0"/>
+            <a:ext cx="685800" cy="1143000"/>
+          </a:xfrm>
+          <a:prstGeom prst="rect">
+            <a:avLst/>
+          </a:prstGeom>
+          <a:solidFill>
+            <a:schemeClr val="accent1"/>
+          </a:solidFill>
+          <a:ln>
+            <a:noFill/>
+          </a:ln>
+        </p:spPr>
+        <p:style>
+          <a:lnRef idx="1">
+            <a:schemeClr val="accent1"/>
+          </a:lnRef>
+          <a:fillRef idx="3">
+            <a:schemeClr val="accent1"/>
+          </a:fillRef>
+          <a:effectRef idx="2">
+            <a:schemeClr val="accent1"/>
+          </a:effectRef>
+          <a:fontRef idx="minor">
+            <a:schemeClr val="lt1"/>
+          </a:fontRef>
+        </p:style>
       </p:sp>
       <p:sp>
         <p:nvSpPr>
@@ -10771,9 +11704,14 @@
             <p:ph idx="1"/>
           </p:nvPr>
         </p:nvSpPr>
-        <p:spPr/>
-        <p:txBody>
-          <a:bodyPr vert="horz" lIns="91440" tIns="45720" rIns="91440" bIns="45720" rtlCol="0" anchor="t">
+        <p:spPr>
+          <a:xfrm>
+            <a:off x="646113" y="2052918"/>
+            <a:ext cx="4165146" cy="4195481"/>
+          </a:xfrm>
+        </p:spPr>
+        <p:txBody>
+          <a:bodyPr vert="horz" lIns="91440" tIns="45720" rIns="91440" bIns="45720" rtlCol="0">
             <a:normAutofit/>
           </a:bodyPr>
           <a:lstStyle/>
@@ -10791,11 +11729,53 @@
             </a:pPr>
             <a:r>
               <a:rPr lang="en-US" dirty="0"/>
-              <a:t>Could be used as a tool in later experiments</a:t>
-            </a:r>
-          </a:p>
-        </p:txBody>
-      </p:sp>
+              <a:t>Doesn’t show expected effect</a:t>
+            </a:r>
+          </a:p>
+          <a:p>
+            <a:pPr>
+              <a:buClr>
+                <a:srgbClr val="8AD0D6"/>
+              </a:buClr>
+            </a:pPr>
+            <a:r>
+              <a:rPr lang="en-US" dirty="0"/>
+              <a:t>Fluorescence can still be used</a:t>
+            </a:r>
+          </a:p>
+        </p:txBody>
+      </p:sp>
+      <p:pic>
+        <p:nvPicPr>
+          <p:cNvPr id="7" name="Picture 6" descr="Graphical user interface, application, scatter chart&#10;&#10;Description automatically generated">
+            <a:extLst>
+              <a:ext uri="{FF2B5EF4-FFF2-40B4-BE49-F238E27FC236}">
+                <a16:creationId xmlns:a16="http://schemas.microsoft.com/office/drawing/2014/main" id="{0001FF52-4170-4DF6-89AC-7DC1135E1A3E}"/>
+              </a:ext>
+            </a:extLst>
+          </p:cNvPr>
+          <p:cNvPicPr>
+            <a:picLocks noChangeAspect="1"/>
+          </p:cNvPicPr>
+          <p:nvPr/>
+        </p:nvPicPr>
+        <p:blipFill>
+          <a:blip r:embed="rId4"/>
+          <a:stretch>
+            <a:fillRect/>
+          </a:stretch>
+        </p:blipFill>
+        <p:spPr>
+          <a:xfrm>
+            <a:off x="6615560" y="3526971"/>
+            <a:ext cx="4407170" cy="2721427"/>
+          </a:xfrm>
+          <a:prstGeom prst="rect">
+            <a:avLst/>
+          </a:prstGeom>
+          <a:effectLst/>
+        </p:spPr>
+      </p:pic>
     </p:spTree>
     <p:extLst>
       <p:ext uri="{BB962C8B-B14F-4D97-AF65-F5344CB8AC3E}">

--- a/EndofsprintPresentation.pptx
+++ b/EndofsprintPresentation.pptx
@@ -7173,7 +7173,7 @@
             </a:pPr>
             <a:r>
               <a:rPr lang="en-US" dirty="0"/>
-              <a:t>Found difference in bacteria and plastics with freeze taw</a:t>
+              <a:t>Found difference in bacteria and plastics with freeze thaw</a:t>
             </a:r>
           </a:p>
           <a:p>
